--- a/2025/2025-05-02-AI-Updates.pptx
+++ b/2025/2025-05-02-AI-Updates.pptx
@@ -1837,7 +1837,7 @@
   <p:cSld>
     <p:spTree>
       <p:nvGrpSpPr>
-        <p:cNvPr id="1" name="Shape 208"/>
+        <p:cNvPr id="1" name="Shape 209"/>
         <p:cNvGrpSpPr/>
         <p:nvPr/>
       </p:nvGrpSpPr>
@@ -1851,7 +1851,7 @@
       </p:grpSpPr>
       <p:sp>
         <p:nvSpPr>
-          <p:cNvPr id="209" name="Google Shape;209;p17:notes"/>
+          <p:cNvPr id="210" name="Google Shape;210;p17:notes"/>
           <p:cNvSpPr>
             <a:spLocks noGrp="1" noRot="1" noChangeAspect="1"/>
           </p:cNvSpPr>
@@ -1902,7 +1902,7 @@
       </p:sp>
       <p:sp>
         <p:nvSpPr>
-          <p:cNvPr id="210" name="Google Shape;210;p17:notes"/>
+          <p:cNvPr id="211" name="Google Shape;211;p17:notes"/>
           <p:cNvSpPr txBox="1">
             <a:spLocks noGrp="1"/>
           </p:cNvSpPr>
@@ -1959,7 +1959,7 @@
   <p:cSld>
     <p:spTree>
       <p:nvGrpSpPr>
-        <p:cNvPr id="1" name="Shape 218"/>
+        <p:cNvPr id="1" name="Shape 219"/>
         <p:cNvGrpSpPr/>
         <p:nvPr/>
       </p:nvGrpSpPr>
@@ -1973,7 +1973,7 @@
       </p:grpSpPr>
       <p:sp>
         <p:nvSpPr>
-          <p:cNvPr id="219" name="Google Shape;219;p18:notes"/>
+          <p:cNvPr id="220" name="Google Shape;220;p18:notes"/>
           <p:cNvSpPr>
             <a:spLocks noGrp="1" noRot="1" noChangeAspect="1"/>
           </p:cNvSpPr>
@@ -2024,7 +2024,7 @@
       </p:sp>
       <p:sp>
         <p:nvSpPr>
-          <p:cNvPr id="220" name="Google Shape;220;p18:notes"/>
+          <p:cNvPr id="221" name="Google Shape;221;p18:notes"/>
           <p:cNvSpPr txBox="1">
             <a:spLocks noGrp="1"/>
           </p:cNvSpPr>
@@ -2081,7 +2081,7 @@
   <p:cSld>
     <p:spTree>
       <p:nvGrpSpPr>
-        <p:cNvPr id="1" name="Shape 227"/>
+        <p:cNvPr id="1" name="Shape 230"/>
         <p:cNvGrpSpPr/>
         <p:nvPr/>
       </p:nvGrpSpPr>
@@ -2095,7 +2095,7 @@
       </p:grpSpPr>
       <p:sp>
         <p:nvSpPr>
-          <p:cNvPr id="228" name="Google Shape;228;p19:notes"/>
+          <p:cNvPr id="231" name="Google Shape;231;p19:notes"/>
           <p:cNvSpPr>
             <a:spLocks noGrp="1" noRot="1" noChangeAspect="1"/>
           </p:cNvSpPr>
@@ -2146,7 +2146,7 @@
       </p:sp>
       <p:sp>
         <p:nvSpPr>
-          <p:cNvPr id="229" name="Google Shape;229;p19:notes"/>
+          <p:cNvPr id="232" name="Google Shape;232;p19:notes"/>
           <p:cNvSpPr txBox="1">
             <a:spLocks noGrp="1"/>
           </p:cNvSpPr>
@@ -2325,7 +2325,7 @@
   <p:cSld>
     <p:spTree>
       <p:nvGrpSpPr>
-        <p:cNvPr id="1" name="Shape 235"/>
+        <p:cNvPr id="1" name="Shape 238"/>
         <p:cNvGrpSpPr/>
         <p:nvPr/>
       </p:nvGrpSpPr>
@@ -2339,7 +2339,7 @@
       </p:grpSpPr>
       <p:sp>
         <p:nvSpPr>
-          <p:cNvPr id="236" name="Google Shape;236;p20:notes"/>
+          <p:cNvPr id="239" name="Google Shape;239;p20:notes"/>
           <p:cNvSpPr>
             <a:spLocks noGrp="1" noRot="1" noChangeAspect="1"/>
           </p:cNvSpPr>
@@ -2390,7 +2390,7 @@
       </p:sp>
       <p:sp>
         <p:nvSpPr>
-          <p:cNvPr id="237" name="Google Shape;237;p20:notes"/>
+          <p:cNvPr id="240" name="Google Shape;240;p20:notes"/>
           <p:cNvSpPr txBox="1">
             <a:spLocks noGrp="1"/>
           </p:cNvSpPr>
@@ -2447,7 +2447,7 @@
   <p:cSld>
     <p:spTree>
       <p:nvGrpSpPr>
-        <p:cNvPr id="1" name="Shape 245"/>
+        <p:cNvPr id="1" name="Shape 248"/>
         <p:cNvGrpSpPr/>
         <p:nvPr/>
       </p:nvGrpSpPr>
@@ -2461,7 +2461,7 @@
       </p:grpSpPr>
       <p:sp>
         <p:nvSpPr>
-          <p:cNvPr id="246" name="Google Shape;246;p21:notes"/>
+          <p:cNvPr id="249" name="Google Shape;249;p21:notes"/>
           <p:cNvSpPr>
             <a:spLocks noGrp="1" noRot="1" noChangeAspect="1"/>
           </p:cNvSpPr>
@@ -2512,7 +2512,7 @@
       </p:sp>
       <p:sp>
         <p:nvSpPr>
-          <p:cNvPr id="247" name="Google Shape;247;p21:notes"/>
+          <p:cNvPr id="250" name="Google Shape;250;p21:notes"/>
           <p:cNvSpPr txBox="1">
             <a:spLocks noGrp="1"/>
           </p:cNvSpPr>
@@ -2569,7 +2569,7 @@
   <p:cSld>
     <p:spTree>
       <p:nvGrpSpPr>
-        <p:cNvPr id="1" name="Shape 305"/>
+        <p:cNvPr id="1" name="Shape 308"/>
         <p:cNvGrpSpPr/>
         <p:nvPr/>
       </p:nvGrpSpPr>
@@ -2583,7 +2583,7 @@
       </p:grpSpPr>
       <p:sp>
         <p:nvSpPr>
-          <p:cNvPr id="306" name="Google Shape;306;p22:notes"/>
+          <p:cNvPr id="309" name="Google Shape;309;p22:notes"/>
           <p:cNvSpPr>
             <a:spLocks noGrp="1" noRot="1" noChangeAspect="1"/>
           </p:cNvSpPr>
@@ -2634,7 +2634,7 @@
       </p:sp>
       <p:sp>
         <p:nvSpPr>
-          <p:cNvPr id="307" name="Google Shape;307;p22:notes"/>
+          <p:cNvPr id="310" name="Google Shape;310;p22:notes"/>
           <p:cNvSpPr txBox="1">
             <a:spLocks noGrp="1"/>
           </p:cNvSpPr>
@@ -2691,7 +2691,7 @@
   <p:cSld>
     <p:spTree>
       <p:nvGrpSpPr>
-        <p:cNvPr id="1" name="Shape 311"/>
+        <p:cNvPr id="1" name="Shape 314"/>
         <p:cNvGrpSpPr/>
         <p:nvPr/>
       </p:nvGrpSpPr>
@@ -2705,7 +2705,7 @@
       </p:grpSpPr>
       <p:sp>
         <p:nvSpPr>
-          <p:cNvPr id="312" name="Google Shape;312;p23:notes"/>
+          <p:cNvPr id="315" name="Google Shape;315;p23:notes"/>
           <p:cNvSpPr>
             <a:spLocks noGrp="1" noRot="1" noChangeAspect="1"/>
           </p:cNvSpPr>
@@ -2756,7 +2756,7 @@
       </p:sp>
       <p:sp>
         <p:nvSpPr>
-          <p:cNvPr id="313" name="Google Shape;313;p23:notes"/>
+          <p:cNvPr id="316" name="Google Shape;316;p23:notes"/>
           <p:cNvSpPr txBox="1">
             <a:spLocks noGrp="1"/>
           </p:cNvSpPr>
@@ -2813,7 +2813,7 @@
   <p:cSld>
     <p:spTree>
       <p:nvGrpSpPr>
-        <p:cNvPr id="1" name="Shape 320"/>
+        <p:cNvPr id="1" name="Shape 323"/>
         <p:cNvGrpSpPr/>
         <p:nvPr/>
       </p:nvGrpSpPr>
@@ -2827,7 +2827,7 @@
       </p:grpSpPr>
       <p:sp>
         <p:nvSpPr>
-          <p:cNvPr id="321" name="Google Shape;321;p24:notes"/>
+          <p:cNvPr id="324" name="Google Shape;324;p24:notes"/>
           <p:cNvSpPr>
             <a:spLocks noGrp="1" noRot="1" noChangeAspect="1"/>
           </p:cNvSpPr>
@@ -2878,7 +2878,7 @@
       </p:sp>
       <p:sp>
         <p:nvSpPr>
-          <p:cNvPr id="322" name="Google Shape;322;p24:notes"/>
+          <p:cNvPr id="325" name="Google Shape;325;p24:notes"/>
           <p:cNvSpPr txBox="1">
             <a:spLocks noGrp="1"/>
           </p:cNvSpPr>
@@ -2935,7 +2935,7 @@
   <p:cSld>
     <p:spTree>
       <p:nvGrpSpPr>
-        <p:cNvPr id="1" name="Shape 330"/>
+        <p:cNvPr id="1" name="Shape 333"/>
         <p:cNvGrpSpPr/>
         <p:nvPr/>
       </p:nvGrpSpPr>
@@ -2949,7 +2949,7 @@
       </p:grpSpPr>
       <p:sp>
         <p:nvSpPr>
-          <p:cNvPr id="331" name="Google Shape;331;p25:notes"/>
+          <p:cNvPr id="334" name="Google Shape;334;p25:notes"/>
           <p:cNvSpPr>
             <a:spLocks noGrp="1" noRot="1" noChangeAspect="1"/>
           </p:cNvSpPr>
@@ -3000,7 +3000,7 @@
       </p:sp>
       <p:sp>
         <p:nvSpPr>
-          <p:cNvPr id="332" name="Google Shape;332;p25:notes"/>
+          <p:cNvPr id="335" name="Google Shape;335;p25:notes"/>
           <p:cNvSpPr txBox="1">
             <a:spLocks noGrp="1"/>
           </p:cNvSpPr>
@@ -13837,8 +13837,8 @@
         </p:nvSpPr>
         <p:spPr>
           <a:xfrm>
-            <a:off x="70976" y="2474846"/>
-            <a:ext cx="4420200" cy="2327400"/>
+            <a:off x="70976" y="2398646"/>
+            <a:ext cx="4420200" cy="2558100"/>
           </a:xfrm>
           <a:prstGeom prst="rect">
             <a:avLst/>
@@ -14261,6 +14261,46 @@
               <a:sym typeface="Calibri"/>
             </a:endParaRPr>
           </a:p>
+          <a:p>
+            <a:pPr marL="228600" marR="0" lvl="0" indent="-209550" algn="l" rtl="0">
+              <a:lnSpc>
+                <a:spcPct val="100000"/>
+              </a:lnSpc>
+              <a:spcBef>
+                <a:spcPts val="0"/>
+              </a:spcBef>
+              <a:spcAft>
+                <a:spcPts val="0"/>
+              </a:spcAft>
+              <a:buClr>
+                <a:srgbClr val="3C78D8"/>
+              </a:buClr>
+              <a:buSzPts val="1500"/>
+              <a:buFont typeface="Calibri"/>
+              <a:buChar char="●"/>
+            </a:pPr>
+            <a:r>
+              <a:rPr lang="en" sz="1500" b="1" i="0" u="none" strike="noStrike" cap="none">
+                <a:solidFill>
+                  <a:srgbClr val="3C78D8"/>
+                </a:solidFill>
+                <a:latin typeface="Calibri"/>
+                <a:ea typeface="Calibri"/>
+                <a:cs typeface="Calibri"/>
+                <a:sym typeface="Calibri"/>
+              </a:rPr>
+              <a:t>Figure AI - robots to work at UPS</a:t>
+            </a:r>
+            <a:endParaRPr sz="1500" b="1">
+              <a:solidFill>
+                <a:srgbClr val="3C78D8"/>
+              </a:solidFill>
+              <a:latin typeface="Calibri"/>
+              <a:ea typeface="Calibri"/>
+              <a:cs typeface="Calibri"/>
+              <a:sym typeface="Calibri"/>
+            </a:endParaRPr>
+          </a:p>
         </p:txBody>
       </p:sp>
       <p:sp>
@@ -14271,7 +14311,7 @@
         </p:nvSpPr>
         <p:spPr>
           <a:xfrm>
-            <a:off x="4576975" y="933312"/>
+            <a:off x="4576975" y="704712"/>
             <a:ext cx="4502400" cy="3020100"/>
           </a:xfrm>
           <a:prstGeom prst="rect">
@@ -14323,7 +14363,7 @@
                 <a:cs typeface="Calibri"/>
                 <a:sym typeface="Calibri"/>
               </a:rPr>
-              <a:t>Figure AI - robots to work at UPS</a:t>
+              <a:t>Meta launches AI app on iOS and Android</a:t>
             </a:r>
             <a:endParaRPr sz="1500" b="1" i="0" u="none" strike="noStrike" cap="none">
               <a:solidFill>
@@ -14363,7 +14403,7 @@
                 <a:cs typeface="Calibri"/>
                 <a:sym typeface="Calibri"/>
               </a:rPr>
-              <a:t>Meta launches AI app on iOS and Android</a:t>
+              <a:t>JetBrains Mellum-4b</a:t>
             </a:r>
             <a:endParaRPr sz="1500" b="1" i="0" u="none" strike="noStrike" cap="none">
               <a:solidFill>
@@ -14403,7 +14443,7 @@
                 <a:cs typeface="Calibri"/>
                 <a:sym typeface="Calibri"/>
               </a:rPr>
-              <a:t>JetBrains Mellum-4b</a:t>
+              <a:t>Visa &amp; Mastercard "Agent Pay"</a:t>
             </a:r>
             <a:endParaRPr sz="1500" b="1" i="0" u="none" strike="noStrike" cap="none">
               <a:solidFill>
@@ -14443,7 +14483,7 @@
                 <a:cs typeface="Calibri"/>
                 <a:sym typeface="Calibri"/>
               </a:rPr>
-              <a:t>Visa &amp; Mastercard "Agent Pay"</a:t>
+              <a:t>Xiaomi MiMo-7B</a:t>
             </a:r>
             <a:endParaRPr sz="1500" b="1" i="0" u="none" strike="noStrike" cap="none">
               <a:solidFill>
@@ -14483,7 +14523,7 @@
                 <a:cs typeface="Calibri"/>
                 <a:sym typeface="Calibri"/>
               </a:rPr>
-              <a:t>Xiaomi MiMo-7B</a:t>
+              <a:t>IBM to invest $150 Bln in U.S. quantum computing</a:t>
             </a:r>
             <a:endParaRPr sz="1500" b="1" i="0" u="none" strike="noStrike" cap="none">
               <a:solidFill>
@@ -14523,7 +14563,7 @@
                 <a:cs typeface="Calibri"/>
                 <a:sym typeface="Calibri"/>
               </a:rPr>
-              <a:t>IBM to invest $150 Bln in U.S. quantum computing</a:t>
+              <a:t>OpenMath-Nemotron-32B &amp; -14B-Kaggle</a:t>
             </a:r>
             <a:endParaRPr sz="1500" b="1" i="0" u="none" strike="noStrike" cap="none">
               <a:solidFill>
@@ -14563,7 +14603,7 @@
                 <a:cs typeface="Calibri"/>
                 <a:sym typeface="Calibri"/>
               </a:rPr>
-              <a:t>OpenMath-Nemotron-32B &amp; -14B-Kaggle</a:t>
+              <a:t>TTRL: Test-Time Reinforcement Learning</a:t>
             </a:r>
             <a:endParaRPr sz="1500" b="1" i="0" u="none" strike="noStrike" cap="none">
               <a:solidFill>
@@ -14603,7 +14643,7 @@
                 <a:cs typeface="Calibri"/>
                 <a:sym typeface="Calibri"/>
               </a:rPr>
-              <a:t>TTRL: Test-Time Reinforcement Learning</a:t>
+              <a:t>Microsoft Phi-4 reasoning 14B params</a:t>
             </a:r>
             <a:endParaRPr sz="1500" b="1" i="0" u="none" strike="noStrike" cap="none">
               <a:solidFill>
@@ -14634,7 +14674,7 @@
               <a:buChar char="●"/>
             </a:pPr>
             <a:r>
-              <a:rPr lang="en" sz="1500" b="1" i="0" u="none" strike="noStrike" cap="none">
+              <a:rPr lang="en" sz="1500" b="1">
                 <a:solidFill>
                   <a:srgbClr val="3C78D8"/>
                 </a:solidFill>
@@ -14643,9 +14683,9 @@
                 <a:cs typeface="Calibri"/>
                 <a:sym typeface="Calibri"/>
               </a:rPr>
-              <a:t>Microsoft Phi-4 reasoning 14B params</a:t>
-            </a:r>
-            <a:endParaRPr sz="1500" b="1" i="0" u="none" strike="noStrike" cap="none">
+              <a:t>Meta AI ReasonIR-8B - Retriever Optimized for RAG</a:t>
+            </a:r>
+            <a:endParaRPr sz="1500" b="1">
               <a:solidFill>
                 <a:srgbClr val="3C78D8"/>
               </a:solidFill>
@@ -20856,6 +20896,174 @@
           </a:ln>
         </p:spPr>
       </p:pic>
+      <p:sp>
+        <p:nvSpPr>
+          <p:cNvPr id="208" name="Google Shape;208;p30"/>
+          <p:cNvSpPr txBox="1"/>
+          <p:nvPr/>
+        </p:nvSpPr>
+        <p:spPr>
+          <a:xfrm>
+            <a:off x="55075" y="2028175"/>
+            <a:ext cx="4424700" cy="572700"/>
+          </a:xfrm>
+          <a:prstGeom prst="rect">
+            <a:avLst/>
+          </a:prstGeom>
+          <a:solidFill>
+            <a:srgbClr val="FFF2CC"/>
+          </a:solidFill>
+          <a:ln w="9525" cap="flat" cmpd="sng">
+            <a:solidFill>
+              <a:srgbClr val="FF0000"/>
+            </a:solidFill>
+            <a:prstDash val="solid"/>
+            <a:round/>
+            <a:headEnd type="none" w="sm" len="sm"/>
+            <a:tailEnd type="none" w="sm" len="sm"/>
+          </a:ln>
+        </p:spPr>
+        <p:txBody>
+          <a:bodyPr spcFirstLastPara="1" wrap="square" lIns="9125" tIns="9125" rIns="9125" bIns="9125" anchor="t" anchorCtr="0">
+            <a:spAutoFit/>
+          </a:bodyPr>
+          <a:lstStyle/>
+          <a:p>
+            <a:pPr marL="171450" marR="0" lvl="0" indent="-133350" algn="l" rtl="0">
+              <a:lnSpc>
+                <a:spcPct val="100000"/>
+              </a:lnSpc>
+              <a:spcBef>
+                <a:spcPts val="0"/>
+              </a:spcBef>
+              <a:spcAft>
+                <a:spcPts val="0"/>
+              </a:spcAft>
+              <a:buClr>
+                <a:srgbClr val="FF0000"/>
+              </a:buClr>
+              <a:buSzPts val="1200"/>
+              <a:buFont typeface="Calibri"/>
+              <a:buChar char="●"/>
+            </a:pPr>
+            <a:r>
+              <a:rPr lang="en" sz="1200" b="1">
+                <a:solidFill>
+                  <a:srgbClr val="FF0000"/>
+                </a:solidFill>
+                <a:latin typeface="Calibri"/>
+                <a:ea typeface="Calibri"/>
+                <a:cs typeface="Calibri"/>
+                <a:sym typeface="Calibri"/>
+              </a:rPr>
+              <a:t>Meta AI ReasonIR-8B - Retriever Optimized for RAG</a:t>
+            </a:r>
+            <a:endParaRPr sz="1200" b="1">
+              <a:solidFill>
+                <a:srgbClr val="FF0000"/>
+              </a:solidFill>
+              <a:latin typeface="Calibri"/>
+              <a:ea typeface="Calibri"/>
+              <a:cs typeface="Calibri"/>
+              <a:sym typeface="Calibri"/>
+            </a:endParaRPr>
+          </a:p>
+          <a:p>
+            <a:pPr marL="171450" marR="0" lvl="0" indent="-133350" algn="l" rtl="0">
+              <a:lnSpc>
+                <a:spcPct val="100000"/>
+              </a:lnSpc>
+              <a:spcBef>
+                <a:spcPts val="0"/>
+              </a:spcBef>
+              <a:spcAft>
+                <a:spcPts val="0"/>
+              </a:spcAft>
+              <a:buClr>
+                <a:schemeClr val="dk1"/>
+              </a:buClr>
+              <a:buSzPts val="1200"/>
+              <a:buFont typeface="Calibri"/>
+              <a:buChar char="●"/>
+            </a:pPr>
+            <a:r>
+              <a:rPr lang="en" sz="1200" u="sng">
+                <a:solidFill>
+                  <a:schemeClr val="hlink"/>
+                </a:solidFill>
+                <a:latin typeface="Calibri"/>
+                <a:ea typeface="Calibri"/>
+                <a:cs typeface="Calibri"/>
+                <a:sym typeface="Calibri"/>
+                <a:hlinkClick r:id="rId6"/>
+              </a:rPr>
+              <a:t>https://huggingface.co/reasonir/ReasonIR-8B</a:t>
+            </a:r>
+            <a:endParaRPr sz="1200">
+              <a:solidFill>
+                <a:schemeClr val="dk1"/>
+              </a:solidFill>
+              <a:latin typeface="Calibri"/>
+              <a:ea typeface="Calibri"/>
+              <a:cs typeface="Calibri"/>
+              <a:sym typeface="Calibri"/>
+            </a:endParaRPr>
+          </a:p>
+          <a:p>
+            <a:pPr marL="171450" marR="0" lvl="0" indent="-133350" algn="l" rtl="0">
+              <a:lnSpc>
+                <a:spcPct val="100000"/>
+              </a:lnSpc>
+              <a:spcBef>
+                <a:spcPts val="0"/>
+              </a:spcBef>
+              <a:spcAft>
+                <a:spcPts val="0"/>
+              </a:spcAft>
+              <a:buClr>
+                <a:schemeClr val="dk1"/>
+              </a:buClr>
+              <a:buSzPts val="1200"/>
+              <a:buFont typeface="Calibri"/>
+              <a:buChar char="●"/>
+            </a:pPr>
+            <a:r>
+              <a:rPr lang="en" sz="1200" u="sng">
+                <a:solidFill>
+                  <a:schemeClr val="hlink"/>
+                </a:solidFill>
+                <a:latin typeface="Calibri"/>
+                <a:ea typeface="Calibri"/>
+                <a:cs typeface="Calibri"/>
+                <a:sym typeface="Calibri"/>
+                <a:hlinkClick r:id="rId7"/>
+              </a:rPr>
+              <a:t>https://github.com/facebookresearch/ReasonIR</a:t>
+            </a:r>
+            <a:r>
+              <a:rPr lang="en" sz="1200">
+                <a:solidFill>
+                  <a:schemeClr val="dk1"/>
+                </a:solidFill>
+                <a:latin typeface="Calibri"/>
+                <a:ea typeface="Calibri"/>
+                <a:cs typeface="Calibri"/>
+                <a:sym typeface="Calibri"/>
+              </a:rPr>
+              <a:t> </a:t>
+            </a:r>
+            <a:endParaRPr sz="1200" b="0" i="0" u="none" strike="noStrike" cap="none">
+              <a:solidFill>
+                <a:schemeClr val="dk1"/>
+              </a:solidFill>
+              <a:latin typeface="Calibri"/>
+              <a:ea typeface="Calibri"/>
+              <a:cs typeface="Calibri"/>
+              <a:sym typeface="Calibri"/>
+            </a:endParaRPr>
+          </a:p>
+        </p:txBody>
+      </p:sp>
     </p:spTree>
   </p:cSld>
   <p:clrMapOvr>
@@ -20869,7 +21077,7 @@
   <p:cSld>
     <p:spTree>
       <p:nvGrpSpPr>
-        <p:cNvPr id="1" name="Shape 211"/>
+        <p:cNvPr id="1" name="Shape 212"/>
         <p:cNvGrpSpPr/>
         <p:nvPr/>
       </p:nvGrpSpPr>
@@ -20883,7 +21091,7 @@
       </p:grpSpPr>
       <p:sp>
         <p:nvSpPr>
-          <p:cNvPr id="212" name="Google Shape;212;p31"/>
+          <p:cNvPr id="213" name="Google Shape;213;p31"/>
           <p:cNvSpPr txBox="1"/>
           <p:nvPr/>
         </p:nvSpPr>
@@ -20949,7 +21157,7 @@
       </p:sp>
       <p:sp>
         <p:nvSpPr>
-          <p:cNvPr id="213" name="Google Shape;213;p31"/>
+          <p:cNvPr id="214" name="Google Shape;214;p31"/>
           <p:cNvSpPr txBox="1"/>
           <p:nvPr/>
         </p:nvSpPr>
@@ -21421,7 +21629,7 @@
       </p:sp>
       <p:pic>
         <p:nvPicPr>
-          <p:cNvPr id="214" name="Google Shape;214;p31"/>
+          <p:cNvPr id="215" name="Google Shape;215;p31"/>
           <p:cNvPicPr preferRelativeResize="0"/>
           <p:nvPr/>
         </p:nvPicPr>
@@ -21459,7 +21667,7 @@
       </p:pic>
       <p:pic>
         <p:nvPicPr>
-          <p:cNvPr id="215" name="Google Shape;215;p31"/>
+          <p:cNvPr id="216" name="Google Shape;216;p31"/>
           <p:cNvPicPr preferRelativeResize="0"/>
           <p:nvPr/>
         </p:nvPicPr>
@@ -21497,7 +21705,7 @@
       </p:pic>
       <p:sp>
         <p:nvSpPr>
-          <p:cNvPr id="216" name="Google Shape;216;p31"/>
+          <p:cNvPr id="217" name="Google Shape;217;p31"/>
           <p:cNvSpPr txBox="1"/>
           <p:nvPr/>
         </p:nvSpPr>
@@ -21651,7 +21859,7 @@
       </p:sp>
       <p:sp>
         <p:nvSpPr>
-          <p:cNvPr id="217" name="Google Shape;217;p31"/>
+          <p:cNvPr id="218" name="Google Shape;218;p31"/>
           <p:cNvSpPr txBox="1"/>
           <p:nvPr/>
         </p:nvSpPr>
@@ -21816,7 +22024,7 @@
   <p:cSld>
     <p:spTree>
       <p:nvGrpSpPr>
-        <p:cNvPr id="1" name="Shape 221"/>
+        <p:cNvPr id="1" name="Shape 222"/>
         <p:cNvGrpSpPr/>
         <p:nvPr/>
       </p:nvGrpSpPr>
@@ -21830,7 +22038,7 @@
       </p:grpSpPr>
       <p:sp>
         <p:nvSpPr>
-          <p:cNvPr id="222" name="Google Shape;222;p32"/>
+          <p:cNvPr id="223" name="Google Shape;223;p32"/>
           <p:cNvSpPr txBox="1"/>
           <p:nvPr/>
         </p:nvSpPr>
@@ -21896,14 +22104,14 @@
       </p:sp>
       <p:sp>
         <p:nvSpPr>
-          <p:cNvPr id="223" name="Google Shape;223;p32"/>
+          <p:cNvPr id="224" name="Google Shape;224;p32"/>
           <p:cNvSpPr txBox="1"/>
           <p:nvPr/>
         </p:nvSpPr>
         <p:spPr>
           <a:xfrm>
             <a:off x="55075" y="540100"/>
-            <a:ext cx="4349700" cy="1496100"/>
+            <a:ext cx="4349700" cy="1865400"/>
           </a:xfrm>
           <a:prstGeom prst="rect">
             <a:avLst/>
@@ -22105,7 +22313,7 @@
               <a:buChar char="●"/>
             </a:pPr>
             <a:r>
-              <a:rPr lang="en" sz="1200" b="0" i="0" u="none" strike="noStrike" cap="none">
+              <a:rPr lang="en" sz="1200">
                 <a:solidFill>
                   <a:schemeClr val="dk1"/>
                 </a:solidFill>
@@ -22114,9 +22322,9 @@
                 <a:cs typeface="Calibri"/>
                 <a:sym typeface="Calibri"/>
               </a:rPr>
-              <a:t>Persona's AI-driven solutions are crucial in distinguishing genuine users from sophisticated bots, addressing the growing challenge of automated online interactions.</a:t>
-            </a:r>
-            <a:endParaRPr sz="1200" b="0" i="0" u="none" strike="noStrike" cap="none">
+              <a:t>Uses standard identity verification techniques and advanced machine learning &amp; AI methods (text analysis, patterns, ...)</a:t>
+            </a:r>
+            <a:endParaRPr sz="1200">
               <a:solidFill>
                 <a:schemeClr val="dk1"/>
               </a:solidFill>
@@ -22145,19 +22353,6 @@
               <a:buChar char="●"/>
             </a:pPr>
             <a:r>
-              <a:rPr lang="en" sz="1200" b="0" i="0" u="sng" strike="noStrike" cap="none">
-                <a:solidFill>
-                  <a:schemeClr val="hlink"/>
-                </a:solidFill>
-                <a:latin typeface="Calibri"/>
-                <a:ea typeface="Calibri"/>
-                <a:cs typeface="Calibri"/>
-                <a:sym typeface="Calibri"/>
-                <a:hlinkClick r:id="rId3"/>
-              </a:rPr>
-              <a:t>https://withpersona.com/</a:t>
-            </a:r>
-            <a:r>
               <a:rPr lang="en" sz="1200" b="0" i="0" u="none" strike="noStrike" cap="none">
                 <a:solidFill>
                   <a:schemeClr val="dk1"/>
@@ -22167,7 +22362,7 @@
                 <a:cs typeface="Calibri"/>
                 <a:sym typeface="Calibri"/>
               </a:rPr>
-              <a:t> </a:t>
+              <a:t>Persona's AI-driven solutions are crucial in distinguishing genuine users from sophisticated bots, addressing the growing challenge of automated online interactions.</a:t>
             </a:r>
             <a:endParaRPr sz="1200" b="0" i="0" u="none" strike="noStrike" cap="none">
               <a:solidFill>
@@ -22179,11 +22374,64 @@
               <a:sym typeface="Calibri"/>
             </a:endParaRPr>
           </a:p>
+          <a:p>
+            <a:pPr marL="171450" marR="0" lvl="0" indent="-133350" algn="l" rtl="0">
+              <a:lnSpc>
+                <a:spcPct val="100000"/>
+              </a:lnSpc>
+              <a:spcBef>
+                <a:spcPts val="0"/>
+              </a:spcBef>
+              <a:spcAft>
+                <a:spcPts val="0"/>
+              </a:spcAft>
+              <a:buClr>
+                <a:schemeClr val="dk1"/>
+              </a:buClr>
+              <a:buSzPts val="1200"/>
+              <a:buFont typeface="Calibri"/>
+              <a:buChar char="●"/>
+            </a:pPr>
+            <a:r>
+              <a:rPr lang="en" sz="1200" b="0" i="0" u="sng" strike="noStrike" cap="none">
+                <a:solidFill>
+                  <a:schemeClr val="hlink"/>
+                </a:solidFill>
+                <a:latin typeface="Calibri"/>
+                <a:ea typeface="Calibri"/>
+                <a:cs typeface="Calibri"/>
+                <a:sym typeface="Calibri"/>
+                <a:hlinkClick r:id="rId3"/>
+              </a:rPr>
+              <a:t>https://withpersona.com/</a:t>
+            </a:r>
+            <a:r>
+              <a:rPr lang="en" sz="1200" b="0" i="0" u="none" strike="noStrike" cap="none">
+                <a:solidFill>
+                  <a:schemeClr val="dk1"/>
+                </a:solidFill>
+                <a:latin typeface="Calibri"/>
+                <a:ea typeface="Calibri"/>
+                <a:cs typeface="Calibri"/>
+                <a:sym typeface="Calibri"/>
+              </a:rPr>
+              <a:t> </a:t>
+            </a:r>
+            <a:endParaRPr sz="1200" b="0" i="0" u="none" strike="noStrike" cap="none">
+              <a:solidFill>
+                <a:schemeClr val="dk1"/>
+              </a:solidFill>
+              <a:latin typeface="Calibri"/>
+              <a:ea typeface="Calibri"/>
+              <a:cs typeface="Calibri"/>
+              <a:sym typeface="Calibri"/>
+            </a:endParaRPr>
+          </a:p>
         </p:txBody>
       </p:sp>
       <p:pic>
         <p:nvPicPr>
-          <p:cNvPr id="224" name="Google Shape;224;p32"/>
+          <p:cNvPr id="225" name="Google Shape;225;p32"/>
           <p:cNvPicPr preferRelativeResize="0"/>
           <p:nvPr/>
         </p:nvPicPr>
@@ -22196,28 +22444,471 @@
         </p:blipFill>
         <p:spPr>
           <a:xfrm>
-            <a:off x="7072850" y="212350"/>
+            <a:off x="4110175" y="328700"/>
             <a:ext cx="1905000" cy="587125"/>
           </a:xfrm>
           <a:prstGeom prst="rect">
             <a:avLst/>
           </a:prstGeom>
           <a:noFill/>
-          <a:ln>
-            <a:noFill/>
+          <a:ln w="9525" cap="flat" cmpd="sng">
+            <a:solidFill>
+              <a:srgbClr val="FF0000"/>
+            </a:solidFill>
+            <a:prstDash val="solid"/>
+            <a:round/>
+            <a:headEnd type="none" w="sm" len="sm"/>
+            <a:tailEnd type="none" w="sm" len="sm"/>
           </a:ln>
         </p:spPr>
       </p:pic>
       <p:sp>
         <p:nvSpPr>
-          <p:cNvPr id="225" name="Google Shape;225;p32"/>
+          <p:cNvPr id="226" name="Google Shape;226;p32"/>
           <p:cNvSpPr txBox="1"/>
           <p:nvPr/>
         </p:nvSpPr>
         <p:spPr>
           <a:xfrm>
-            <a:off x="3553300" y="2432950"/>
+            <a:off x="1242575" y="3145450"/>
             <a:ext cx="3355200" cy="1680900"/>
+          </a:xfrm>
+          <a:prstGeom prst="rect">
+            <a:avLst/>
+          </a:prstGeom>
+          <a:solidFill>
+            <a:srgbClr val="FCE5CD"/>
+          </a:solidFill>
+          <a:ln w="9525" cap="flat" cmpd="sng">
+            <a:solidFill>
+              <a:srgbClr val="FF0000"/>
+            </a:solidFill>
+            <a:prstDash val="solid"/>
+            <a:round/>
+            <a:headEnd type="none" w="sm" len="sm"/>
+            <a:tailEnd type="none" w="sm" len="sm"/>
+          </a:ln>
+        </p:spPr>
+        <p:txBody>
+          <a:bodyPr spcFirstLastPara="1" wrap="square" lIns="9125" tIns="9125" rIns="9125" bIns="9125" anchor="t" anchorCtr="0">
+            <a:spAutoFit/>
+          </a:bodyPr>
+          <a:lstStyle/>
+          <a:p>
+            <a:pPr marL="0" marR="0" lvl="0" indent="0" algn="l" rtl="0">
+              <a:lnSpc>
+                <a:spcPct val="100000"/>
+              </a:lnSpc>
+              <a:spcBef>
+                <a:spcPts val="0"/>
+              </a:spcBef>
+              <a:spcAft>
+                <a:spcPts val="0"/>
+              </a:spcAft>
+              <a:buClr>
+                <a:srgbClr val="000000"/>
+              </a:buClr>
+              <a:buSzPts val="1200"/>
+              <a:buFont typeface="Arial"/>
+              <a:buNone/>
+            </a:pPr>
+            <a:r>
+              <a:rPr lang="en" sz="1200" b="1" i="0" u="none" strike="noStrike" cap="none">
+                <a:solidFill>
+                  <a:srgbClr val="FF0000"/>
+                </a:solidFill>
+                <a:latin typeface="Calibri"/>
+                <a:ea typeface="Calibri"/>
+                <a:cs typeface="Calibri"/>
+                <a:sym typeface="Calibri"/>
+              </a:rPr>
+              <a:t>World ID</a:t>
+            </a:r>
+            <a:r>
+              <a:rPr lang="en" sz="1200" b="0" i="0" u="none" strike="noStrike" cap="none">
+                <a:solidFill>
+                  <a:schemeClr val="dk1"/>
+                </a:solidFill>
+                <a:latin typeface="Calibri"/>
+                <a:ea typeface="Calibri"/>
+                <a:cs typeface="Calibri"/>
+                <a:sym typeface="Calibri"/>
+              </a:rPr>
+              <a:t> ( </a:t>
+            </a:r>
+            <a:r>
+              <a:rPr lang="en" sz="1200" b="0" i="0" u="sng" strike="noStrike" cap="none">
+                <a:solidFill>
+                  <a:schemeClr val="hlink"/>
+                </a:solidFill>
+                <a:latin typeface="Calibri"/>
+                <a:ea typeface="Calibri"/>
+                <a:cs typeface="Calibri"/>
+                <a:sym typeface="Calibri"/>
+                <a:hlinkClick r:id="rId5"/>
+              </a:rPr>
+              <a:t>https://world.org/world-id</a:t>
+            </a:r>
+            <a:r>
+              <a:rPr lang="en" sz="1200" b="0" i="0" u="none" strike="noStrike" cap="none">
+                <a:solidFill>
+                  <a:schemeClr val="dk1"/>
+                </a:solidFill>
+                <a:latin typeface="Calibri"/>
+                <a:ea typeface="Calibri"/>
+                <a:cs typeface="Calibri"/>
+                <a:sym typeface="Calibri"/>
+              </a:rPr>
+              <a:t> )  </a:t>
+            </a:r>
+            <a:endParaRPr sz="1200" b="0" i="0" u="none" strike="noStrike" cap="none">
+              <a:solidFill>
+                <a:schemeClr val="dk1"/>
+              </a:solidFill>
+              <a:latin typeface="Calibri"/>
+              <a:ea typeface="Calibri"/>
+              <a:cs typeface="Calibri"/>
+              <a:sym typeface="Calibri"/>
+            </a:endParaRPr>
+          </a:p>
+          <a:p>
+            <a:pPr marL="0" marR="0" lvl="0" indent="0" algn="l" rtl="0">
+              <a:lnSpc>
+                <a:spcPct val="100000"/>
+              </a:lnSpc>
+              <a:spcBef>
+                <a:spcPts val="0"/>
+              </a:spcBef>
+              <a:spcAft>
+                <a:spcPts val="0"/>
+              </a:spcAft>
+              <a:buClr>
+                <a:srgbClr val="000000"/>
+              </a:buClr>
+              <a:buSzPts val="1200"/>
+              <a:buFont typeface="Arial"/>
+              <a:buNone/>
+            </a:pPr>
+            <a:r>
+              <a:rPr lang="en" sz="1200" b="0" i="0" u="none" strike="noStrike" cap="none">
+                <a:solidFill>
+                  <a:schemeClr val="dk1"/>
+                </a:solidFill>
+                <a:latin typeface="Calibri"/>
+                <a:ea typeface="Calibri"/>
+                <a:cs typeface="Calibri"/>
+                <a:sym typeface="Calibri"/>
+              </a:rPr>
+              <a:t>vs. </a:t>
+            </a:r>
+            <a:r>
+              <a:rPr lang="en" sz="1200" b="1" i="0" u="none" strike="noStrike" cap="none">
+                <a:solidFill>
+                  <a:srgbClr val="FF0000"/>
+                </a:solidFill>
+                <a:latin typeface="Calibri"/>
+                <a:ea typeface="Calibri"/>
+                <a:cs typeface="Calibri"/>
+                <a:sym typeface="Calibri"/>
+              </a:rPr>
+              <a:t>Persona</a:t>
+            </a:r>
+            <a:r>
+              <a:rPr lang="en" sz="1200" b="0" i="0" u="none" strike="noStrike" cap="none">
+                <a:solidFill>
+                  <a:schemeClr val="dk1"/>
+                </a:solidFill>
+                <a:latin typeface="Calibri"/>
+                <a:ea typeface="Calibri"/>
+                <a:cs typeface="Calibri"/>
+                <a:sym typeface="Calibri"/>
+              </a:rPr>
+              <a:t> ( </a:t>
+            </a:r>
+            <a:r>
+              <a:rPr lang="en" sz="1200" b="0" i="0" u="sng" strike="noStrike" cap="none">
+                <a:solidFill>
+                  <a:schemeClr val="hlink"/>
+                </a:solidFill>
+                <a:latin typeface="Calibri"/>
+                <a:ea typeface="Calibri"/>
+                <a:cs typeface="Calibri"/>
+                <a:sym typeface="Calibri"/>
+                <a:hlinkClick r:id="rId6"/>
+              </a:rPr>
+              <a:t>https://withpersona.com</a:t>
+            </a:r>
+            <a:r>
+              <a:rPr lang="en" sz="1200" b="0" i="0" u="none" strike="noStrike" cap="none">
+                <a:solidFill>
+                  <a:schemeClr val="dk1"/>
+                </a:solidFill>
+                <a:latin typeface="Calibri"/>
+                <a:ea typeface="Calibri"/>
+                <a:cs typeface="Calibri"/>
+                <a:sym typeface="Calibri"/>
+              </a:rPr>
+              <a:t> )</a:t>
+            </a:r>
+            <a:endParaRPr sz="1200" b="0" i="0" u="none" strike="noStrike" cap="none">
+              <a:solidFill>
+                <a:schemeClr val="dk1"/>
+              </a:solidFill>
+              <a:latin typeface="Calibri"/>
+              <a:ea typeface="Calibri"/>
+              <a:cs typeface="Calibri"/>
+              <a:sym typeface="Calibri"/>
+            </a:endParaRPr>
+          </a:p>
+          <a:p>
+            <a:pPr marL="0" marR="0" lvl="0" indent="0" algn="l" rtl="0">
+              <a:lnSpc>
+                <a:spcPct val="100000"/>
+              </a:lnSpc>
+              <a:spcBef>
+                <a:spcPts val="0"/>
+              </a:spcBef>
+              <a:spcAft>
+                <a:spcPts val="0"/>
+              </a:spcAft>
+              <a:buClr>
+                <a:srgbClr val="000000"/>
+              </a:buClr>
+              <a:buSzPts val="1200"/>
+              <a:buFont typeface="Arial"/>
+              <a:buNone/>
+            </a:pPr>
+            <a:endParaRPr sz="1200" b="0" i="0" u="none" strike="noStrike" cap="none">
+              <a:solidFill>
+                <a:schemeClr val="dk1"/>
+              </a:solidFill>
+              <a:latin typeface="Calibri"/>
+              <a:ea typeface="Calibri"/>
+              <a:cs typeface="Calibri"/>
+              <a:sym typeface="Calibri"/>
+            </a:endParaRPr>
+          </a:p>
+          <a:p>
+            <a:pPr marL="0" marR="0" lvl="0" indent="0" algn="l" rtl="0">
+              <a:lnSpc>
+                <a:spcPct val="100000"/>
+              </a:lnSpc>
+              <a:spcBef>
+                <a:spcPts val="0"/>
+              </a:spcBef>
+              <a:spcAft>
+                <a:spcPts val="0"/>
+              </a:spcAft>
+              <a:buClr>
+                <a:srgbClr val="000000"/>
+              </a:buClr>
+              <a:buSzPts val="1200"/>
+              <a:buFont typeface="Arial"/>
+              <a:buNone/>
+            </a:pPr>
+            <a:r>
+              <a:rPr lang="en" sz="1200" b="1" i="0" u="none" strike="noStrike" cap="none">
+                <a:solidFill>
+                  <a:srgbClr val="FF0000"/>
+                </a:solidFill>
+                <a:latin typeface="Calibri"/>
+                <a:ea typeface="Calibri"/>
+                <a:cs typeface="Calibri"/>
+                <a:sym typeface="Calibri"/>
+              </a:rPr>
+              <a:t>World ID</a:t>
+            </a:r>
+            <a:r>
+              <a:rPr lang="en" sz="1200" b="0" i="0" u="none" strike="noStrike" cap="none">
+                <a:solidFill>
+                  <a:schemeClr val="dk1"/>
+                </a:solidFill>
+                <a:latin typeface="Calibri"/>
+                <a:ea typeface="Calibri"/>
+                <a:cs typeface="Calibri"/>
+                <a:sym typeface="Calibri"/>
+              </a:rPr>
+              <a:t> (co-founded by Sam Altman) is geared toward public, individual use for proving humanness, voting, or accessing digital services anonymously.</a:t>
+            </a:r>
+            <a:endParaRPr sz="1200" b="0" i="0" u="none" strike="noStrike" cap="none">
+              <a:solidFill>
+                <a:schemeClr val="dk1"/>
+              </a:solidFill>
+              <a:latin typeface="Calibri"/>
+              <a:ea typeface="Calibri"/>
+              <a:cs typeface="Calibri"/>
+              <a:sym typeface="Calibri"/>
+            </a:endParaRPr>
+          </a:p>
+          <a:p>
+            <a:pPr marL="0" marR="0" lvl="0" indent="0" algn="l" rtl="0">
+              <a:lnSpc>
+                <a:spcPct val="100000"/>
+              </a:lnSpc>
+              <a:spcBef>
+                <a:spcPts val="0"/>
+              </a:spcBef>
+              <a:spcAft>
+                <a:spcPts val="0"/>
+              </a:spcAft>
+              <a:buClr>
+                <a:srgbClr val="000000"/>
+              </a:buClr>
+              <a:buSzPts val="1200"/>
+              <a:buFont typeface="Arial"/>
+              <a:buNone/>
+            </a:pPr>
+            <a:endParaRPr sz="1200" b="0" i="0" u="none" strike="noStrike" cap="none">
+              <a:solidFill>
+                <a:schemeClr val="dk1"/>
+              </a:solidFill>
+              <a:latin typeface="Calibri"/>
+              <a:ea typeface="Calibri"/>
+              <a:cs typeface="Calibri"/>
+              <a:sym typeface="Calibri"/>
+            </a:endParaRPr>
+          </a:p>
+          <a:p>
+            <a:pPr marL="0" marR="0" lvl="0" indent="0" algn="l" rtl="0">
+              <a:lnSpc>
+                <a:spcPct val="100000"/>
+              </a:lnSpc>
+              <a:spcBef>
+                <a:spcPts val="0"/>
+              </a:spcBef>
+              <a:spcAft>
+                <a:spcPts val="0"/>
+              </a:spcAft>
+              <a:buClr>
+                <a:srgbClr val="000000"/>
+              </a:buClr>
+              <a:buSzPts val="1200"/>
+              <a:buFont typeface="Arial"/>
+              <a:buNone/>
+            </a:pPr>
+            <a:r>
+              <a:rPr lang="en" sz="1200" b="1" i="0" u="none" strike="noStrike" cap="none">
+                <a:solidFill>
+                  <a:srgbClr val="FF0000"/>
+                </a:solidFill>
+                <a:latin typeface="Calibri"/>
+                <a:ea typeface="Calibri"/>
+                <a:cs typeface="Calibri"/>
+                <a:sym typeface="Calibri"/>
+              </a:rPr>
+              <a:t>Persona</a:t>
+            </a:r>
+            <a:r>
+              <a:rPr lang="en" sz="1200" b="0" i="0" u="none" strike="noStrike" cap="none">
+                <a:solidFill>
+                  <a:schemeClr val="dk1"/>
+                </a:solidFill>
+                <a:latin typeface="Calibri"/>
+                <a:ea typeface="Calibri"/>
+                <a:cs typeface="Calibri"/>
+                <a:sym typeface="Calibri"/>
+              </a:rPr>
+              <a:t> is tailored for businesses to verify customers, prevent fraud, and automate compliance processes</a:t>
+            </a:r>
+            <a:endParaRPr sz="1200" b="0" i="0" u="none" strike="noStrike" cap="none">
+              <a:solidFill>
+                <a:schemeClr val="dk1"/>
+              </a:solidFill>
+              <a:latin typeface="Calibri"/>
+              <a:ea typeface="Calibri"/>
+              <a:cs typeface="Calibri"/>
+              <a:sym typeface="Calibri"/>
+            </a:endParaRPr>
+          </a:p>
+        </p:txBody>
+      </p:sp>
+      <p:pic>
+        <p:nvPicPr>
+          <p:cNvPr id="227" name="Google Shape;227;p32"/>
+          <p:cNvPicPr preferRelativeResize="0"/>
+          <p:nvPr/>
+        </p:nvPicPr>
+        <p:blipFill rotWithShape="1">
+          <a:blip r:embed="rId7" cstate="email">
+            <a:alphaModFix/>
+            <a:extLst>
+              <a:ext uri="{28A0092B-C50C-407E-A947-70E740481C1C}">
+                <a14:useLocalDpi xmlns:a14="http://schemas.microsoft.com/office/drawing/2010/main"/>
+              </a:ext>
+            </a:extLst>
+          </a:blip>
+          <a:srcRect/>
+          <a:stretch/>
+        </p:blipFill>
+        <p:spPr>
+          <a:xfrm>
+            <a:off x="5914488" y="2366400"/>
+            <a:ext cx="1654175" cy="527125"/>
+          </a:xfrm>
+          <a:prstGeom prst="rect">
+            <a:avLst/>
+          </a:prstGeom>
+          <a:noFill/>
+          <a:ln w="9525" cap="flat" cmpd="sng">
+            <a:solidFill>
+              <a:srgbClr val="FF0000"/>
+            </a:solidFill>
+            <a:prstDash val="solid"/>
+            <a:round/>
+            <a:headEnd type="none" w="sm" len="sm"/>
+            <a:tailEnd type="none" w="sm" len="sm"/>
+          </a:ln>
+        </p:spPr>
+      </p:pic>
+      <p:pic>
+        <p:nvPicPr>
+          <p:cNvPr id="228" name="Google Shape;228;p32"/>
+          <p:cNvPicPr preferRelativeResize="0"/>
+          <p:nvPr/>
+        </p:nvPicPr>
+        <p:blipFill>
+          <a:blip r:embed="rId8" cstate="email">
+            <a:alphaModFix/>
+            <a:extLst>
+              <a:ext uri="{28A0092B-C50C-407E-A947-70E740481C1C}">
+                <a14:useLocalDpi xmlns:a14="http://schemas.microsoft.com/office/drawing/2010/main"/>
+              </a:ext>
+            </a:extLst>
+          </a:blip>
+          <a:stretch>
+            <a:fillRect/>
+          </a:stretch>
+        </p:blipFill>
+        <p:spPr>
+          <a:xfrm>
+            <a:off x="7659075" y="2156000"/>
+            <a:ext cx="1267325" cy="873525"/>
+          </a:xfrm>
+          <a:prstGeom prst="rect">
+            <a:avLst/>
+          </a:prstGeom>
+          <a:noFill/>
+          <a:ln w="9525" cap="flat" cmpd="sng">
+            <a:solidFill>
+              <a:srgbClr val="FF0000"/>
+            </a:solidFill>
+            <a:prstDash val="solid"/>
+            <a:round/>
+            <a:headEnd type="none" w="sm" len="sm"/>
+            <a:tailEnd type="none" w="sm" len="sm"/>
+          </a:ln>
+        </p:spPr>
+      </p:pic>
+      <p:sp>
+        <p:nvSpPr>
+          <p:cNvPr id="229" name="Google Shape;229;p32"/>
+          <p:cNvSpPr txBox="1"/>
+          <p:nvPr/>
+        </p:nvSpPr>
+        <p:spPr>
+          <a:xfrm>
+            <a:off x="6057500" y="3145450"/>
+            <a:ext cx="2868900" cy="387900"/>
           </a:xfrm>
           <a:prstGeom prst="rect">
             <a:avLst/>
@@ -22241,25 +22932,25 @@
           </a:bodyPr>
           <a:lstStyle/>
           <a:p>
-            <a:pPr marL="0" marR="0" lvl="0" indent="0" algn="l" rtl="0">
-              <a:lnSpc>
-                <a:spcPct val="100000"/>
-              </a:lnSpc>
-              <a:spcBef>
-                <a:spcPts val="0"/>
-              </a:spcBef>
-              <a:spcAft>
-                <a:spcPts val="0"/>
-              </a:spcAft>
-              <a:buClr>
-                <a:srgbClr val="000000"/>
+            <a:pPr marL="171450" marR="0" lvl="0" indent="-133350" algn="l" rtl="0">
+              <a:lnSpc>
+                <a:spcPct val="100000"/>
+              </a:lnSpc>
+              <a:spcBef>
+                <a:spcPts val="0"/>
+              </a:spcBef>
+              <a:spcAft>
+                <a:spcPts val="0"/>
+              </a:spcAft>
+              <a:buClr>
+                <a:srgbClr val="FF0000"/>
               </a:buClr>
               <a:buSzPts val="1200"/>
-              <a:buFont typeface="Arial"/>
-              <a:buNone/>
-            </a:pPr>
-            <a:r>
-              <a:rPr lang="en" sz="1200" b="1" i="0" u="none" strike="noStrike" cap="none">
+              <a:buFont typeface="Calibri"/>
+              <a:buChar char="●"/>
+            </a:pPr>
+            <a:r>
+              <a:rPr lang="en" sz="1200" b="1">
                 <a:solidFill>
                   <a:srgbClr val="FF0000"/>
                 </a:solidFill>
@@ -22268,48 +22959,11 @@
                 <a:cs typeface="Calibri"/>
                 <a:sym typeface="Calibri"/>
               </a:rPr>
-              <a:t>World ID</a:t>
-            </a:r>
-            <a:r>
-              <a:rPr lang="en" sz="1200" b="0" i="0" u="none" strike="noStrike" cap="none">
-                <a:solidFill>
-                  <a:schemeClr val="dk1"/>
-                </a:solidFill>
-                <a:latin typeface="Calibri"/>
-                <a:ea typeface="Calibri"/>
-                <a:cs typeface="Calibri"/>
-                <a:sym typeface="Calibri"/>
-              </a:rPr>
-              <a:t> ( </a:t>
-            </a:r>
-            <a:r>
-              <a:rPr lang="en" sz="1200" b="0" i="0" u="sng" strike="noStrike" cap="none">
-                <a:solidFill>
-                  <a:schemeClr val="hlink"/>
-                </a:solidFill>
-                <a:latin typeface="Calibri"/>
-                <a:ea typeface="Calibri"/>
-                <a:cs typeface="Calibri"/>
-                <a:sym typeface="Calibri"/>
-                <a:hlinkClick r:id="rId5"/>
-              </a:rPr>
-              <a:t>https://world.org/world-id</a:t>
-            </a:r>
-            <a:r>
-              <a:rPr lang="en" sz="1200" b="0" i="0" u="none" strike="noStrike" cap="none">
-                <a:solidFill>
-                  <a:schemeClr val="dk1"/>
-                </a:solidFill>
-                <a:latin typeface="Calibri"/>
-                <a:ea typeface="Calibri"/>
-                <a:cs typeface="Calibri"/>
-                <a:sym typeface="Calibri"/>
-              </a:rPr>
-              <a:t> )  </a:t>
-            </a:r>
-            <a:endParaRPr sz="1200" b="0" i="0" u="none" strike="noStrike" cap="none">
-              <a:solidFill>
-                <a:schemeClr val="dk1"/>
+              <a:t>World ID </a:t>
+            </a:r>
+            <a:endParaRPr sz="1200" b="1" i="0" u="none" strike="noStrike" cap="none">
+              <a:solidFill>
+                <a:srgbClr val="FF0000"/>
               </a:solidFill>
               <a:latin typeface="Calibri"/>
               <a:ea typeface="Calibri"/>
@@ -22318,25 +22972,25 @@
             </a:endParaRPr>
           </a:p>
           <a:p>
-            <a:pPr marL="0" marR="0" lvl="0" indent="0" algn="l" rtl="0">
-              <a:lnSpc>
-                <a:spcPct val="100000"/>
-              </a:lnSpc>
-              <a:spcBef>
-                <a:spcPts val="0"/>
-              </a:spcBef>
-              <a:spcAft>
-                <a:spcPts val="0"/>
-              </a:spcAft>
-              <a:buClr>
-                <a:srgbClr val="000000"/>
+            <a:pPr marL="171450" marR="0" lvl="0" indent="-133350" algn="l" rtl="0">
+              <a:lnSpc>
+                <a:spcPct val="100000"/>
+              </a:lnSpc>
+              <a:spcBef>
+                <a:spcPts val="0"/>
+              </a:spcBef>
+              <a:spcAft>
+                <a:spcPts val="0"/>
+              </a:spcAft>
+              <a:buClr>
+                <a:schemeClr val="dk1"/>
               </a:buClr>
               <a:buSzPts val="1200"/>
-              <a:buFont typeface="Arial"/>
-              <a:buNone/>
-            </a:pPr>
-            <a:r>
-              <a:rPr lang="en" sz="1200" b="0" i="0" u="none" strike="noStrike" cap="none">
+              <a:buFont typeface="Calibri"/>
+              <a:buChar char="●"/>
+            </a:pPr>
+            <a:r>
+              <a:rPr lang="en" sz="1200">
                 <a:solidFill>
                   <a:schemeClr val="dk1"/>
                 </a:solidFill>
@@ -22345,56 +22999,7 @@
                 <a:cs typeface="Calibri"/>
                 <a:sym typeface="Calibri"/>
               </a:rPr>
-              <a:t>vs. </a:t>
-            </a:r>
-            <a:r>
-              <a:rPr lang="en" sz="1200" b="1" i="0" u="none" strike="noStrike" cap="none">
-                <a:solidFill>
-                  <a:srgbClr val="FF0000"/>
-                </a:solidFill>
-                <a:latin typeface="Calibri"/>
-                <a:ea typeface="Calibri"/>
-                <a:cs typeface="Calibri"/>
-                <a:sym typeface="Calibri"/>
-              </a:rPr>
-              <a:t>Persona</a:t>
-            </a:r>
-            <a:r>
-              <a:rPr lang="en" sz="1200" b="0" i="0" u="none" strike="noStrike" cap="none">
-                <a:solidFill>
-                  <a:schemeClr val="dk1"/>
-                </a:solidFill>
-                <a:latin typeface="Calibri"/>
-                <a:ea typeface="Calibri"/>
-                <a:cs typeface="Calibri"/>
-                <a:sym typeface="Calibri"/>
-              </a:rPr>
-              <a:t> ( </a:t>
-            </a:r>
-            <a:r>
-              <a:rPr lang="en" sz="1200" b="0" i="0" u="sng" strike="noStrike" cap="none">
-                <a:solidFill>
-                  <a:schemeClr val="hlink"/>
-                </a:solidFill>
-                <a:latin typeface="Calibri"/>
-                <a:ea typeface="Calibri"/>
-                <a:cs typeface="Calibri"/>
-                <a:sym typeface="Calibri"/>
-                <a:hlinkClick r:id="rId6"/>
-              </a:rPr>
-              <a:t>https://withpersona.com</a:t>
-            </a:r>
-            <a:r>
-              <a:rPr lang="en" sz="1200" b="0" i="0" u="none" strike="noStrike" cap="none">
-                <a:solidFill>
-                  <a:schemeClr val="dk1"/>
-                </a:solidFill>
-                <a:latin typeface="Calibri"/>
-                <a:ea typeface="Calibri"/>
-                <a:cs typeface="Calibri"/>
-                <a:sym typeface="Calibri"/>
-              </a:rPr>
-              <a:t> )</a:t>
+              <a:t>Biometric Iris Scanning (Orb Technology)</a:t>
             </a:r>
             <a:endParaRPr sz="1200" b="0" i="0" u="none" strike="noStrike" cap="none">
               <a:solidFill>
@@ -22406,200 +23011,8 @@
               <a:sym typeface="Calibri"/>
             </a:endParaRPr>
           </a:p>
-          <a:p>
-            <a:pPr marL="0" marR="0" lvl="0" indent="0" algn="l" rtl="0">
-              <a:lnSpc>
-                <a:spcPct val="100000"/>
-              </a:lnSpc>
-              <a:spcBef>
-                <a:spcPts val="0"/>
-              </a:spcBef>
-              <a:spcAft>
-                <a:spcPts val="0"/>
-              </a:spcAft>
-              <a:buClr>
-                <a:srgbClr val="000000"/>
-              </a:buClr>
-              <a:buSzPts val="1200"/>
-              <a:buFont typeface="Arial"/>
-              <a:buNone/>
-            </a:pPr>
-            <a:endParaRPr sz="1200" b="0" i="0" u="none" strike="noStrike" cap="none">
-              <a:solidFill>
-                <a:schemeClr val="dk1"/>
-              </a:solidFill>
-              <a:latin typeface="Calibri"/>
-              <a:ea typeface="Calibri"/>
-              <a:cs typeface="Calibri"/>
-              <a:sym typeface="Calibri"/>
-            </a:endParaRPr>
-          </a:p>
-          <a:p>
-            <a:pPr marL="0" marR="0" lvl="0" indent="0" algn="l" rtl="0">
-              <a:lnSpc>
-                <a:spcPct val="100000"/>
-              </a:lnSpc>
-              <a:spcBef>
-                <a:spcPts val="0"/>
-              </a:spcBef>
-              <a:spcAft>
-                <a:spcPts val="0"/>
-              </a:spcAft>
-              <a:buClr>
-                <a:srgbClr val="000000"/>
-              </a:buClr>
-              <a:buSzPts val="1200"/>
-              <a:buFont typeface="Arial"/>
-              <a:buNone/>
-            </a:pPr>
-            <a:r>
-              <a:rPr lang="en" sz="1200" b="1" i="0" u="none" strike="noStrike" cap="none">
-                <a:solidFill>
-                  <a:srgbClr val="FF0000"/>
-                </a:solidFill>
-                <a:latin typeface="Calibri"/>
-                <a:ea typeface="Calibri"/>
-                <a:cs typeface="Calibri"/>
-                <a:sym typeface="Calibri"/>
-              </a:rPr>
-              <a:t>World ID</a:t>
-            </a:r>
-            <a:r>
-              <a:rPr lang="en" sz="1200" b="0" i="0" u="none" strike="noStrike" cap="none">
-                <a:solidFill>
-                  <a:schemeClr val="dk1"/>
-                </a:solidFill>
-                <a:latin typeface="Calibri"/>
-                <a:ea typeface="Calibri"/>
-                <a:cs typeface="Calibri"/>
-                <a:sym typeface="Calibri"/>
-              </a:rPr>
-              <a:t> is geared toward public, individual use for proving humanness, voting, or accessing digital services anonymously.</a:t>
-            </a:r>
-            <a:endParaRPr sz="1200" b="0" i="0" u="none" strike="noStrike" cap="none">
-              <a:solidFill>
-                <a:schemeClr val="dk1"/>
-              </a:solidFill>
-              <a:latin typeface="Calibri"/>
-              <a:ea typeface="Calibri"/>
-              <a:cs typeface="Calibri"/>
-              <a:sym typeface="Calibri"/>
-            </a:endParaRPr>
-          </a:p>
-          <a:p>
-            <a:pPr marL="0" marR="0" lvl="0" indent="0" algn="l" rtl="0">
-              <a:lnSpc>
-                <a:spcPct val="100000"/>
-              </a:lnSpc>
-              <a:spcBef>
-                <a:spcPts val="0"/>
-              </a:spcBef>
-              <a:spcAft>
-                <a:spcPts val="0"/>
-              </a:spcAft>
-              <a:buClr>
-                <a:srgbClr val="000000"/>
-              </a:buClr>
-              <a:buSzPts val="1200"/>
-              <a:buFont typeface="Arial"/>
-              <a:buNone/>
-            </a:pPr>
-            <a:endParaRPr sz="1200" b="0" i="0" u="none" strike="noStrike" cap="none">
-              <a:solidFill>
-                <a:schemeClr val="dk1"/>
-              </a:solidFill>
-              <a:latin typeface="Calibri"/>
-              <a:ea typeface="Calibri"/>
-              <a:cs typeface="Calibri"/>
-              <a:sym typeface="Calibri"/>
-            </a:endParaRPr>
-          </a:p>
-          <a:p>
-            <a:pPr marL="0" marR="0" lvl="0" indent="0" algn="l" rtl="0">
-              <a:lnSpc>
-                <a:spcPct val="100000"/>
-              </a:lnSpc>
-              <a:spcBef>
-                <a:spcPts val="0"/>
-              </a:spcBef>
-              <a:spcAft>
-                <a:spcPts val="0"/>
-              </a:spcAft>
-              <a:buClr>
-                <a:srgbClr val="000000"/>
-              </a:buClr>
-              <a:buSzPts val="1200"/>
-              <a:buFont typeface="Arial"/>
-              <a:buNone/>
-            </a:pPr>
-            <a:r>
-              <a:rPr lang="en" sz="1200" b="1" i="0" u="none" strike="noStrike" cap="none">
-                <a:solidFill>
-                  <a:srgbClr val="FF0000"/>
-                </a:solidFill>
-                <a:latin typeface="Calibri"/>
-                <a:ea typeface="Calibri"/>
-                <a:cs typeface="Calibri"/>
-                <a:sym typeface="Calibri"/>
-              </a:rPr>
-              <a:t>Persona</a:t>
-            </a:r>
-            <a:r>
-              <a:rPr lang="en" sz="1200" b="0" i="0" u="none" strike="noStrike" cap="none">
-                <a:solidFill>
-                  <a:schemeClr val="dk1"/>
-                </a:solidFill>
-                <a:latin typeface="Calibri"/>
-                <a:ea typeface="Calibri"/>
-                <a:cs typeface="Calibri"/>
-                <a:sym typeface="Calibri"/>
-              </a:rPr>
-              <a:t> is tailored for businesses to verify customers, prevent fraud, and automate compliance processes</a:t>
-            </a:r>
-            <a:endParaRPr sz="1200" b="0" i="0" u="none" strike="noStrike" cap="none">
-              <a:solidFill>
-                <a:schemeClr val="dk1"/>
-              </a:solidFill>
-              <a:latin typeface="Calibri"/>
-              <a:ea typeface="Calibri"/>
-              <a:cs typeface="Calibri"/>
-              <a:sym typeface="Calibri"/>
-            </a:endParaRPr>
-          </a:p>
         </p:txBody>
       </p:sp>
-      <p:pic>
-        <p:nvPicPr>
-          <p:cNvPr id="226" name="Google Shape;226;p32"/>
-          <p:cNvPicPr preferRelativeResize="0"/>
-          <p:nvPr/>
-        </p:nvPicPr>
-        <p:blipFill rotWithShape="1">
-          <a:blip r:embed="rId7" cstate="email">
-            <a:alphaModFix/>
-            <a:extLst>
-              <a:ext uri="{28A0092B-C50C-407E-A947-70E740481C1C}">
-                <a14:useLocalDpi xmlns:a14="http://schemas.microsoft.com/office/drawing/2010/main"/>
-              </a:ext>
-            </a:extLst>
-          </a:blip>
-          <a:srcRect/>
-          <a:stretch/>
-        </p:blipFill>
-        <p:spPr>
-          <a:xfrm>
-            <a:off x="7198263" y="2939150"/>
-            <a:ext cx="1654175" cy="527125"/>
-          </a:xfrm>
-          <a:prstGeom prst="rect">
-            <a:avLst/>
-          </a:prstGeom>
-          <a:noFill/>
-          <a:ln>
-            <a:noFill/>
-          </a:ln>
-        </p:spPr>
-      </p:pic>
     </p:spTree>
   </p:cSld>
   <p:clrMapOvr>
@@ -22613,7 +23026,7 @@
   <p:cSld>
     <p:spTree>
       <p:nvGrpSpPr>
-        <p:cNvPr id="1" name="Shape 230"/>
+        <p:cNvPr id="1" name="Shape 233"/>
         <p:cNvGrpSpPr/>
         <p:nvPr/>
       </p:nvGrpSpPr>
@@ -22627,7 +23040,7 @@
       </p:grpSpPr>
       <p:sp>
         <p:nvSpPr>
-          <p:cNvPr id="231" name="Google Shape;231;p33"/>
+          <p:cNvPr id="234" name="Google Shape;234;p33"/>
           <p:cNvSpPr txBox="1"/>
           <p:nvPr/>
         </p:nvSpPr>
@@ -22693,7 +23106,7 @@
       </p:sp>
       <p:sp>
         <p:nvSpPr>
-          <p:cNvPr id="232" name="Google Shape;232;p33"/>
+          <p:cNvPr id="235" name="Google Shape;235;p33"/>
           <p:cNvSpPr txBox="1"/>
           <p:nvPr/>
         </p:nvSpPr>
@@ -23092,7 +23505,7 @@
       </p:sp>
       <p:pic>
         <p:nvPicPr>
-          <p:cNvPr id="233" name="Google Shape;233;p33"/>
+          <p:cNvPr id="236" name="Google Shape;236;p33"/>
           <p:cNvPicPr preferRelativeResize="0"/>
           <p:nvPr/>
         </p:nvPicPr>
@@ -23130,7 +23543,7 @@
       </p:pic>
       <p:pic>
         <p:nvPicPr>
-          <p:cNvPr id="234" name="Google Shape;234;p33"/>
+          <p:cNvPr id="237" name="Google Shape;237;p33"/>
           <p:cNvPicPr preferRelativeResize="0"/>
           <p:nvPr/>
         </p:nvPicPr>
@@ -24617,7 +25030,7 @@
   <p:cSld>
     <p:spTree>
       <p:nvGrpSpPr>
-        <p:cNvPr id="1" name="Shape 238"/>
+        <p:cNvPr id="1" name="Shape 241"/>
         <p:cNvGrpSpPr/>
         <p:nvPr/>
       </p:nvGrpSpPr>
@@ -24631,7 +25044,7 @@
       </p:grpSpPr>
       <p:sp>
         <p:nvSpPr>
-          <p:cNvPr id="239" name="Google Shape;239;p34"/>
+          <p:cNvPr id="242" name="Google Shape;242;p34"/>
           <p:cNvSpPr txBox="1"/>
           <p:nvPr/>
         </p:nvSpPr>
@@ -24697,7 +25110,7 @@
       </p:sp>
       <p:sp>
         <p:nvSpPr>
-          <p:cNvPr id="240" name="Google Shape;240;p34"/>
+          <p:cNvPr id="243" name="Google Shape;243;p34"/>
           <p:cNvSpPr txBox="1"/>
           <p:nvPr/>
         </p:nvSpPr>
@@ -25350,7 +25763,7 @@
       </p:sp>
       <p:pic>
         <p:nvPicPr>
-          <p:cNvPr id="241" name="Google Shape;241;p34"/>
+          <p:cNvPr id="244" name="Google Shape;244;p34"/>
           <p:cNvPicPr preferRelativeResize="0"/>
           <p:nvPr/>
         </p:nvPicPr>
@@ -25382,7 +25795,7 @@
       </p:pic>
       <p:sp>
         <p:nvSpPr>
-          <p:cNvPr id="242" name="Google Shape;242;p34"/>
+          <p:cNvPr id="245" name="Google Shape;245;p34"/>
           <p:cNvSpPr txBox="1"/>
           <p:nvPr/>
         </p:nvSpPr>
@@ -25696,7 +26109,7 @@
       </p:sp>
       <p:pic>
         <p:nvPicPr>
-          <p:cNvPr id="243" name="Google Shape;243;p34"/>
+          <p:cNvPr id="246" name="Google Shape;246;p34"/>
           <p:cNvPicPr preferRelativeResize="0"/>
           <p:nvPr/>
         </p:nvPicPr>
@@ -25728,7 +26141,7 @@
       </p:pic>
       <p:sp>
         <p:nvSpPr>
-          <p:cNvPr id="244" name="Google Shape;244;p34"/>
+          <p:cNvPr id="247" name="Google Shape;247;p34"/>
           <p:cNvSpPr txBox="1"/>
           <p:nvPr/>
         </p:nvSpPr>
@@ -25866,7 +26279,7 @@
   <p:cSld>
     <p:spTree>
       <p:nvGrpSpPr>
-        <p:cNvPr id="1" name="Shape 248"/>
+        <p:cNvPr id="1" name="Shape 251"/>
         <p:cNvGrpSpPr/>
         <p:nvPr/>
       </p:nvGrpSpPr>
@@ -25880,7 +26293,7 @@
       </p:grpSpPr>
       <p:sp>
         <p:nvSpPr>
-          <p:cNvPr id="249" name="Google Shape;249;p35"/>
+          <p:cNvPr id="252" name="Google Shape;252;p35"/>
           <p:cNvSpPr txBox="1"/>
           <p:nvPr/>
         </p:nvSpPr>
@@ -26047,7 +26460,7 @@
       </p:sp>
       <p:sp>
         <p:nvSpPr>
-          <p:cNvPr id="250" name="Google Shape;250;p35"/>
+          <p:cNvPr id="253" name="Google Shape;253;p35"/>
           <p:cNvSpPr txBox="1"/>
           <p:nvPr/>
         </p:nvSpPr>
@@ -26113,7 +26526,7 @@
       </p:sp>
       <p:sp>
         <p:nvSpPr>
-          <p:cNvPr id="251" name="Google Shape;251;p35"/>
+          <p:cNvPr id="254" name="Google Shape;254;p35"/>
           <p:cNvSpPr txBox="1"/>
           <p:nvPr/>
         </p:nvSpPr>
@@ -26339,7 +26752,7 @@
       </p:sp>
       <p:sp>
         <p:nvSpPr>
-          <p:cNvPr id="252" name="Google Shape;252;p35"/>
+          <p:cNvPr id="255" name="Google Shape;255;p35"/>
           <p:cNvSpPr txBox="1"/>
           <p:nvPr/>
         </p:nvSpPr>
@@ -26413,7 +26826,7 @@
       </p:sp>
       <p:sp>
         <p:nvSpPr>
-          <p:cNvPr id="253" name="Google Shape;253;p35"/>
+          <p:cNvPr id="256" name="Google Shape;256;p35"/>
           <p:cNvSpPr txBox="1"/>
           <p:nvPr/>
         </p:nvSpPr>
@@ -26583,7 +26996,7 @@
       </p:sp>
       <p:sp>
         <p:nvSpPr>
-          <p:cNvPr id="254" name="Google Shape;254;p35"/>
+          <p:cNvPr id="257" name="Google Shape;257;p35"/>
           <p:cNvSpPr txBox="1"/>
           <p:nvPr/>
         </p:nvSpPr>
@@ -26657,7 +27070,7 @@
       </p:sp>
       <p:sp>
         <p:nvSpPr>
-          <p:cNvPr id="255" name="Google Shape;255;p35"/>
+          <p:cNvPr id="258" name="Google Shape;258;p35"/>
           <p:cNvSpPr txBox="1"/>
           <p:nvPr/>
         </p:nvSpPr>
@@ -26735,7 +27148,7 @@
       </p:sp>
       <p:sp>
         <p:nvSpPr>
-          <p:cNvPr id="256" name="Google Shape;256;p35"/>
+          <p:cNvPr id="259" name="Google Shape;259;p35"/>
           <p:cNvSpPr/>
           <p:nvPr/>
         </p:nvSpPr>
@@ -26797,7 +27210,7 @@
       </p:sp>
       <p:sp>
         <p:nvSpPr>
-          <p:cNvPr id="257" name="Google Shape;257;p35"/>
+          <p:cNvPr id="260" name="Google Shape;260;p35"/>
           <p:cNvSpPr/>
           <p:nvPr/>
         </p:nvSpPr>
@@ -26859,7 +27272,7 @@
       </p:sp>
       <p:sp>
         <p:nvSpPr>
-          <p:cNvPr id="258" name="Google Shape;258;p35"/>
+          <p:cNvPr id="261" name="Google Shape;261;p35"/>
           <p:cNvSpPr/>
           <p:nvPr/>
         </p:nvSpPr>
@@ -26921,7 +27334,7 @@
       </p:sp>
       <p:sp>
         <p:nvSpPr>
-          <p:cNvPr id="259" name="Google Shape;259;p35"/>
+          <p:cNvPr id="262" name="Google Shape;262;p35"/>
           <p:cNvSpPr/>
           <p:nvPr/>
         </p:nvSpPr>
@@ -26983,7 +27396,7 @@
       </p:sp>
       <p:sp>
         <p:nvSpPr>
-          <p:cNvPr id="260" name="Google Shape;260;p35"/>
+          <p:cNvPr id="263" name="Google Shape;263;p35"/>
           <p:cNvSpPr/>
           <p:nvPr/>
         </p:nvSpPr>
@@ -27045,7 +27458,7 @@
       </p:sp>
       <p:sp>
         <p:nvSpPr>
-          <p:cNvPr id="261" name="Google Shape;261;p35"/>
+          <p:cNvPr id="264" name="Google Shape;264;p35"/>
           <p:cNvSpPr/>
           <p:nvPr/>
         </p:nvSpPr>
@@ -27107,7 +27520,7 @@
       </p:sp>
       <p:sp>
         <p:nvSpPr>
-          <p:cNvPr id="262" name="Google Shape;262;p35"/>
+          <p:cNvPr id="265" name="Google Shape;265;p35"/>
           <p:cNvSpPr/>
           <p:nvPr/>
         </p:nvSpPr>
@@ -27169,7 +27582,7 @@
       </p:sp>
       <p:sp>
         <p:nvSpPr>
-          <p:cNvPr id="263" name="Google Shape;263;p35"/>
+          <p:cNvPr id="266" name="Google Shape;266;p35"/>
           <p:cNvSpPr/>
           <p:nvPr/>
         </p:nvSpPr>
@@ -27231,7 +27644,7 @@
       </p:sp>
       <p:sp>
         <p:nvSpPr>
-          <p:cNvPr id="264" name="Google Shape;264;p35"/>
+          <p:cNvPr id="267" name="Google Shape;267;p35"/>
           <p:cNvSpPr/>
           <p:nvPr/>
         </p:nvSpPr>
@@ -27293,7 +27706,7 @@
       </p:sp>
       <p:sp>
         <p:nvSpPr>
-          <p:cNvPr id="265" name="Google Shape;265;p35"/>
+          <p:cNvPr id="268" name="Google Shape;268;p35"/>
           <p:cNvSpPr/>
           <p:nvPr/>
         </p:nvSpPr>
@@ -27355,7 +27768,7 @@
       </p:sp>
       <p:sp>
         <p:nvSpPr>
-          <p:cNvPr id="266" name="Google Shape;266;p35"/>
+          <p:cNvPr id="269" name="Google Shape;269;p35"/>
           <p:cNvSpPr/>
           <p:nvPr/>
         </p:nvSpPr>
@@ -27417,7 +27830,7 @@
       </p:sp>
       <p:sp>
         <p:nvSpPr>
-          <p:cNvPr id="267" name="Google Shape;267;p35"/>
+          <p:cNvPr id="270" name="Google Shape;270;p35"/>
           <p:cNvSpPr txBox="1"/>
           <p:nvPr/>
         </p:nvSpPr>
@@ -27495,7 +27908,7 @@
       </p:sp>
       <p:sp>
         <p:nvSpPr>
-          <p:cNvPr id="268" name="Google Shape;268;p35"/>
+          <p:cNvPr id="271" name="Google Shape;271;p35"/>
           <p:cNvSpPr/>
           <p:nvPr/>
         </p:nvSpPr>
@@ -27557,7 +27970,7 @@
       </p:sp>
       <p:sp>
         <p:nvSpPr>
-          <p:cNvPr id="269" name="Google Shape;269;p35"/>
+          <p:cNvPr id="272" name="Google Shape;272;p35"/>
           <p:cNvSpPr/>
           <p:nvPr/>
         </p:nvSpPr>
@@ -27619,7 +28032,7 @@
       </p:sp>
       <p:sp>
         <p:nvSpPr>
-          <p:cNvPr id="270" name="Google Shape;270;p35"/>
+          <p:cNvPr id="273" name="Google Shape;273;p35"/>
           <p:cNvSpPr txBox="1"/>
           <p:nvPr/>
         </p:nvSpPr>
@@ -27697,7 +28110,7 @@
       </p:sp>
       <p:sp>
         <p:nvSpPr>
-          <p:cNvPr id="271" name="Google Shape;271;p35"/>
+          <p:cNvPr id="274" name="Google Shape;274;p35"/>
           <p:cNvSpPr txBox="1"/>
           <p:nvPr/>
         </p:nvSpPr>
@@ -27771,7 +28184,7 @@
       </p:sp>
       <p:sp>
         <p:nvSpPr>
-          <p:cNvPr id="272" name="Google Shape;272;p35"/>
+          <p:cNvPr id="275" name="Google Shape;275;p35"/>
           <p:cNvSpPr txBox="1"/>
           <p:nvPr/>
         </p:nvSpPr>
@@ -27845,7 +28258,7 @@
       </p:sp>
       <p:sp>
         <p:nvSpPr>
-          <p:cNvPr id="273" name="Google Shape;273;p35"/>
+          <p:cNvPr id="276" name="Google Shape;276;p35"/>
           <p:cNvSpPr/>
           <p:nvPr/>
         </p:nvSpPr>
@@ -27907,7 +28320,7 @@
       </p:sp>
       <p:sp>
         <p:nvSpPr>
-          <p:cNvPr id="274" name="Google Shape;274;p35"/>
+          <p:cNvPr id="277" name="Google Shape;277;p35"/>
           <p:cNvSpPr/>
           <p:nvPr/>
         </p:nvSpPr>
@@ -27969,7 +28382,7 @@
       </p:sp>
       <p:sp>
         <p:nvSpPr>
-          <p:cNvPr id="275" name="Google Shape;275;p35"/>
+          <p:cNvPr id="278" name="Google Shape;278;p35"/>
           <p:cNvSpPr/>
           <p:nvPr/>
         </p:nvSpPr>
@@ -28031,7 +28444,7 @@
       </p:sp>
       <p:sp>
         <p:nvSpPr>
-          <p:cNvPr id="276" name="Google Shape;276;p35"/>
+          <p:cNvPr id="279" name="Google Shape;279;p35"/>
           <p:cNvSpPr/>
           <p:nvPr/>
         </p:nvSpPr>
@@ -28093,7 +28506,7 @@
       </p:sp>
       <p:sp>
         <p:nvSpPr>
-          <p:cNvPr id="277" name="Google Shape;277;p35"/>
+          <p:cNvPr id="280" name="Google Shape;280;p35"/>
           <p:cNvSpPr/>
           <p:nvPr/>
         </p:nvSpPr>
@@ -28155,7 +28568,7 @@
       </p:sp>
       <p:sp>
         <p:nvSpPr>
-          <p:cNvPr id="278" name="Google Shape;278;p35"/>
+          <p:cNvPr id="281" name="Google Shape;281;p35"/>
           <p:cNvSpPr/>
           <p:nvPr/>
         </p:nvSpPr>
@@ -28217,7 +28630,7 @@
       </p:sp>
       <p:sp>
         <p:nvSpPr>
-          <p:cNvPr id="279" name="Google Shape;279;p35"/>
+          <p:cNvPr id="282" name="Google Shape;282;p35"/>
           <p:cNvSpPr txBox="1"/>
           <p:nvPr/>
         </p:nvSpPr>
@@ -28295,7 +28708,7 @@
       </p:sp>
       <p:sp>
         <p:nvSpPr>
-          <p:cNvPr id="280" name="Google Shape;280;p35"/>
+          <p:cNvPr id="283" name="Google Shape;283;p35"/>
           <p:cNvSpPr/>
           <p:nvPr/>
         </p:nvSpPr>
@@ -28357,7 +28770,7 @@
       </p:sp>
       <p:sp>
         <p:nvSpPr>
-          <p:cNvPr id="281" name="Google Shape;281;p35"/>
+          <p:cNvPr id="284" name="Google Shape;284;p35"/>
           <p:cNvSpPr/>
           <p:nvPr/>
         </p:nvSpPr>
@@ -28419,7 +28832,7 @@
       </p:sp>
       <p:sp>
         <p:nvSpPr>
-          <p:cNvPr id="282" name="Google Shape;282;p35"/>
+          <p:cNvPr id="285" name="Google Shape;285;p35"/>
           <p:cNvSpPr txBox="1"/>
           <p:nvPr/>
         </p:nvSpPr>
@@ -28497,7 +28910,7 @@
       </p:sp>
       <p:sp>
         <p:nvSpPr>
-          <p:cNvPr id="283" name="Google Shape;283;p35"/>
+          <p:cNvPr id="286" name="Google Shape;286;p35"/>
           <p:cNvSpPr/>
           <p:nvPr/>
         </p:nvSpPr>
@@ -28559,7 +28972,7 @@
       </p:sp>
       <p:sp>
         <p:nvSpPr>
-          <p:cNvPr id="284" name="Google Shape;284;p35"/>
+          <p:cNvPr id="287" name="Google Shape;287;p35"/>
           <p:cNvSpPr/>
           <p:nvPr/>
         </p:nvSpPr>
@@ -28621,7 +29034,7 @@
       </p:sp>
       <p:sp>
         <p:nvSpPr>
-          <p:cNvPr id="285" name="Google Shape;285;p35"/>
+          <p:cNvPr id="288" name="Google Shape;288;p35"/>
           <p:cNvSpPr/>
           <p:nvPr/>
         </p:nvSpPr>
@@ -28683,7 +29096,7 @@
       </p:sp>
       <p:sp>
         <p:nvSpPr>
-          <p:cNvPr id="286" name="Google Shape;286;p35"/>
+          <p:cNvPr id="289" name="Google Shape;289;p35"/>
           <p:cNvSpPr/>
           <p:nvPr/>
         </p:nvSpPr>
@@ -28745,7 +29158,7 @@
       </p:sp>
       <p:sp>
         <p:nvSpPr>
-          <p:cNvPr id="287" name="Google Shape;287;p35"/>
+          <p:cNvPr id="290" name="Google Shape;290;p35"/>
           <p:cNvSpPr/>
           <p:nvPr/>
         </p:nvSpPr>
@@ -28807,7 +29220,7 @@
       </p:sp>
       <p:sp>
         <p:nvSpPr>
-          <p:cNvPr id="288" name="Google Shape;288;p35"/>
+          <p:cNvPr id="291" name="Google Shape;291;p35"/>
           <p:cNvSpPr/>
           <p:nvPr/>
         </p:nvSpPr>
@@ -28869,7 +29282,7 @@
       </p:sp>
       <p:sp>
         <p:nvSpPr>
-          <p:cNvPr id="289" name="Google Shape;289;p35"/>
+          <p:cNvPr id="292" name="Google Shape;292;p35"/>
           <p:cNvSpPr/>
           <p:nvPr/>
         </p:nvSpPr>
@@ -28931,7 +29344,7 @@
       </p:sp>
       <p:sp>
         <p:nvSpPr>
-          <p:cNvPr id="290" name="Google Shape;290;p35"/>
+          <p:cNvPr id="293" name="Google Shape;293;p35"/>
           <p:cNvSpPr txBox="1"/>
           <p:nvPr/>
         </p:nvSpPr>
@@ -29045,7 +29458,7 @@
       </p:sp>
       <p:sp>
         <p:nvSpPr>
-          <p:cNvPr id="291" name="Google Shape;291;p35"/>
+          <p:cNvPr id="294" name="Google Shape;294;p35"/>
           <p:cNvSpPr txBox="1"/>
           <p:nvPr/>
         </p:nvSpPr>
@@ -29142,7 +29555,7 @@
       </p:sp>
       <p:sp>
         <p:nvSpPr>
-          <p:cNvPr id="292" name="Google Shape;292;p35"/>
+          <p:cNvPr id="295" name="Google Shape;295;p35"/>
           <p:cNvSpPr/>
           <p:nvPr/>
         </p:nvSpPr>
@@ -29204,7 +29617,7 @@
       </p:sp>
       <p:sp>
         <p:nvSpPr>
-          <p:cNvPr id="293" name="Google Shape;293;p35"/>
+          <p:cNvPr id="296" name="Google Shape;296;p35"/>
           <p:cNvSpPr/>
           <p:nvPr/>
         </p:nvSpPr>
@@ -29266,7 +29679,7 @@
       </p:sp>
       <p:sp>
         <p:nvSpPr>
-          <p:cNvPr id="294" name="Google Shape;294;p35"/>
+          <p:cNvPr id="297" name="Google Shape;297;p35"/>
           <p:cNvSpPr/>
           <p:nvPr/>
         </p:nvSpPr>
@@ -29328,7 +29741,7 @@
       </p:sp>
       <p:sp>
         <p:nvSpPr>
-          <p:cNvPr id="295" name="Google Shape;295;p35"/>
+          <p:cNvPr id="298" name="Google Shape;298;p35"/>
           <p:cNvSpPr/>
           <p:nvPr/>
         </p:nvSpPr>
@@ -29390,7 +29803,7 @@
       </p:sp>
       <p:sp>
         <p:nvSpPr>
-          <p:cNvPr id="296" name="Google Shape;296;p35"/>
+          <p:cNvPr id="299" name="Google Shape;299;p35"/>
           <p:cNvSpPr/>
           <p:nvPr/>
         </p:nvSpPr>
@@ -29452,7 +29865,7 @@
       </p:sp>
       <p:sp>
         <p:nvSpPr>
-          <p:cNvPr id="297" name="Google Shape;297;p35"/>
+          <p:cNvPr id="300" name="Google Shape;300;p35"/>
           <p:cNvSpPr/>
           <p:nvPr/>
         </p:nvSpPr>
@@ -29514,7 +29927,7 @@
       </p:sp>
       <p:sp>
         <p:nvSpPr>
-          <p:cNvPr id="298" name="Google Shape;298;p35"/>
+          <p:cNvPr id="301" name="Google Shape;301;p35"/>
           <p:cNvSpPr/>
           <p:nvPr/>
         </p:nvSpPr>
@@ -29576,7 +29989,7 @@
       </p:sp>
       <p:sp>
         <p:nvSpPr>
-          <p:cNvPr id="299" name="Google Shape;299;p35"/>
+          <p:cNvPr id="302" name="Google Shape;302;p35"/>
           <p:cNvSpPr/>
           <p:nvPr/>
         </p:nvSpPr>
@@ -29638,7 +30051,7 @@
       </p:sp>
       <p:sp>
         <p:nvSpPr>
-          <p:cNvPr id="300" name="Google Shape;300;p35"/>
+          <p:cNvPr id="303" name="Google Shape;303;p35"/>
           <p:cNvSpPr/>
           <p:nvPr/>
         </p:nvSpPr>
@@ -29700,7 +30113,7 @@
       </p:sp>
       <p:sp>
         <p:nvSpPr>
-          <p:cNvPr id="301" name="Google Shape;301;p35"/>
+          <p:cNvPr id="304" name="Google Shape;304;p35"/>
           <p:cNvSpPr/>
           <p:nvPr/>
         </p:nvSpPr>
@@ -29762,7 +30175,7 @@
       </p:sp>
       <p:pic>
         <p:nvPicPr>
-          <p:cNvPr id="302" name="Google Shape;302;p35"/>
+          <p:cNvPr id="305" name="Google Shape;305;p35"/>
           <p:cNvPicPr preferRelativeResize="0"/>
           <p:nvPr/>
         </p:nvPicPr>
@@ -29800,7 +30213,7 @@
       </p:pic>
       <p:pic>
         <p:nvPicPr>
-          <p:cNvPr id="303" name="Google Shape;303;p35"/>
+          <p:cNvPr id="306" name="Google Shape;306;p35"/>
           <p:cNvPicPr preferRelativeResize="0"/>
           <p:nvPr/>
         </p:nvPicPr>
@@ -29838,7 +30251,7 @@
       </p:pic>
       <p:sp>
         <p:nvSpPr>
-          <p:cNvPr id="304" name="Google Shape;304;p35"/>
+          <p:cNvPr id="307" name="Google Shape;307;p35"/>
           <p:cNvSpPr txBox="1"/>
           <p:nvPr/>
         </p:nvSpPr>
@@ -30339,7 +30752,7 @@
   <p:cSld>
     <p:spTree>
       <p:nvGrpSpPr>
-        <p:cNvPr id="1" name="Shape 308"/>
+        <p:cNvPr id="1" name="Shape 311"/>
         <p:cNvGrpSpPr/>
         <p:nvPr/>
       </p:nvGrpSpPr>
@@ -30353,7 +30766,7 @@
       </p:grpSpPr>
       <p:sp>
         <p:nvSpPr>
-          <p:cNvPr id="309" name="Google Shape;309;p36"/>
+          <p:cNvPr id="312" name="Google Shape;312;p36"/>
           <p:cNvSpPr txBox="1"/>
           <p:nvPr/>
         </p:nvSpPr>
@@ -30419,7 +30832,7 @@
       </p:sp>
       <p:sp>
         <p:nvSpPr>
-          <p:cNvPr id="310" name="Google Shape;310;p36"/>
+          <p:cNvPr id="313" name="Google Shape;313;p36"/>
           <p:cNvSpPr txBox="1"/>
           <p:nvPr/>
         </p:nvSpPr>
@@ -31063,7 +31476,7 @@
   <p:cSld>
     <p:spTree>
       <p:nvGrpSpPr>
-        <p:cNvPr id="1" name="Shape 314"/>
+        <p:cNvPr id="1" name="Shape 317"/>
         <p:cNvGrpSpPr/>
         <p:nvPr/>
       </p:nvGrpSpPr>
@@ -31077,7 +31490,7 @@
       </p:grpSpPr>
       <p:sp>
         <p:nvSpPr>
-          <p:cNvPr id="315" name="Google Shape;315;p37"/>
+          <p:cNvPr id="318" name="Google Shape;318;p37"/>
           <p:cNvSpPr txBox="1"/>
           <p:nvPr/>
         </p:nvSpPr>
@@ -31143,7 +31556,7 @@
       </p:sp>
       <p:sp>
         <p:nvSpPr>
-          <p:cNvPr id="316" name="Google Shape;316;p37"/>
+          <p:cNvPr id="319" name="Google Shape;319;p37"/>
           <p:cNvSpPr txBox="1"/>
           <p:nvPr/>
         </p:nvSpPr>
@@ -31230,7 +31643,7 @@
       </p:sp>
       <p:sp>
         <p:nvSpPr>
-          <p:cNvPr id="317" name="Google Shape;317;p37"/>
+          <p:cNvPr id="320" name="Google Shape;320;p37"/>
           <p:cNvSpPr txBox="1"/>
           <p:nvPr/>
         </p:nvSpPr>
@@ -31304,7 +31717,7 @@
       </p:sp>
       <p:pic>
         <p:nvPicPr>
-          <p:cNvPr id="318" name="Google Shape;318;p37"/>
+          <p:cNvPr id="321" name="Google Shape;321;p37"/>
           <p:cNvPicPr preferRelativeResize="0"/>
           <p:nvPr/>
         </p:nvPicPr>
@@ -31342,7 +31755,7 @@
       </p:pic>
       <p:pic>
         <p:nvPicPr>
-          <p:cNvPr id="319" name="Google Shape;319;p37"/>
+          <p:cNvPr id="322" name="Google Shape;322;p37"/>
           <p:cNvPicPr preferRelativeResize="0"/>
           <p:nvPr/>
         </p:nvPicPr>
@@ -31391,7 +31804,7 @@
   <p:cSld>
     <p:spTree>
       <p:nvGrpSpPr>
-        <p:cNvPr id="1" name="Shape 323"/>
+        <p:cNvPr id="1" name="Shape 326"/>
         <p:cNvGrpSpPr/>
         <p:nvPr/>
       </p:nvGrpSpPr>
@@ -31405,7 +31818,7 @@
       </p:grpSpPr>
       <p:pic>
         <p:nvPicPr>
-          <p:cNvPr id="324" name="Google Shape;324;p38"/>
+          <p:cNvPr id="327" name="Google Shape;327;p38"/>
           <p:cNvPicPr preferRelativeResize="0"/>
           <p:nvPr/>
         </p:nvPicPr>
@@ -31437,7 +31850,7 @@
       </p:pic>
       <p:sp>
         <p:nvSpPr>
-          <p:cNvPr id="325" name="Google Shape;325;p38"/>
+          <p:cNvPr id="328" name="Google Shape;328;p38"/>
           <p:cNvSpPr txBox="1"/>
           <p:nvPr/>
         </p:nvSpPr>
@@ -31503,7 +31916,7 @@
       </p:sp>
       <p:sp>
         <p:nvSpPr>
-          <p:cNvPr id="326" name="Google Shape;326;p38"/>
+          <p:cNvPr id="329" name="Google Shape;329;p38"/>
           <p:cNvSpPr txBox="1"/>
           <p:nvPr/>
         </p:nvSpPr>
@@ -31933,7 +32346,7 @@
       </p:sp>
       <p:pic>
         <p:nvPicPr>
-          <p:cNvPr id="327" name="Google Shape;327;p38"/>
+          <p:cNvPr id="330" name="Google Shape;330;p38"/>
           <p:cNvPicPr preferRelativeResize="0"/>
           <p:nvPr/>
         </p:nvPicPr>
@@ -31965,7 +32378,7 @@
       </p:pic>
       <p:sp>
         <p:nvSpPr>
-          <p:cNvPr id="328" name="Google Shape;328;p38"/>
+          <p:cNvPr id="331" name="Google Shape;331;p38"/>
           <p:cNvSpPr txBox="1"/>
           <p:nvPr/>
         </p:nvSpPr>
@@ -32044,7 +32457,7 @@
       </p:sp>
       <p:sp>
         <p:nvSpPr>
-          <p:cNvPr id="329" name="Google Shape;329;p38"/>
+          <p:cNvPr id="332" name="Google Shape;332;p38"/>
           <p:cNvSpPr txBox="1"/>
           <p:nvPr/>
         </p:nvSpPr>
@@ -32121,7 +32534,7 @@
   <p:cSld>
     <p:spTree>
       <p:nvGrpSpPr>
-        <p:cNvPr id="1" name="Shape 333"/>
+        <p:cNvPr id="1" name="Shape 336"/>
         <p:cNvGrpSpPr/>
         <p:nvPr/>
       </p:nvGrpSpPr>
@@ -32135,7 +32548,7 @@
       </p:grpSpPr>
       <p:sp>
         <p:nvSpPr>
-          <p:cNvPr id="334" name="Google Shape;334;p39"/>
+          <p:cNvPr id="337" name="Google Shape;337;p39"/>
           <p:cNvSpPr txBox="1"/>
           <p:nvPr/>
         </p:nvSpPr>
